--- a/自我介紹.pptx
+++ b/自我介紹.pptx
@@ -107,6 +107,11 @@
       </a:defRPr>
     </a:lvl9pPr>
   </p:defaultTextStyle>
+  <p:extLst>
+    <p:ext uri="{EFAFB233-063F-42B5-8137-9DF3F51BA10A}">
+      <p15:sldGuideLst xmlns:p15="http://schemas.microsoft.com/office/powerpoint/2012/main"/>
+    </p:ext>
+  </p:extLst>
 </p:presentation>
 </file>
 
@@ -336,7 +341,7 @@
           <a:p>
             <a:fld id="{E34F6BE7-CCCD-4F6D-A9EF-2BAF239A8C4A}" type="datetimeFigureOut">
               <a:rPr lang="zh-TW" altLang="en-US" smtClean="0"/>
-              <a:t>2021/9/17</a:t>
+              <a:t>2021/9/23</a:t>
             </a:fld>
             <a:endParaRPr lang="zh-TW" altLang="en-US"/>
           </a:p>
@@ -544,7 +549,7 @@
           <a:p>
             <a:fld id="{E34F6BE7-CCCD-4F6D-A9EF-2BAF239A8C4A}" type="datetimeFigureOut">
               <a:rPr lang="zh-TW" altLang="en-US" smtClean="0"/>
-              <a:t>2021/9/17</a:t>
+              <a:t>2021/9/23</a:t>
             </a:fld>
             <a:endParaRPr lang="zh-TW" altLang="en-US"/>
           </a:p>
@@ -800,7 +805,7 @@
           <a:p>
             <a:fld id="{E34F6BE7-CCCD-4F6D-A9EF-2BAF239A8C4A}" type="datetimeFigureOut">
               <a:rPr lang="zh-TW" altLang="en-US" smtClean="0"/>
-              <a:t>2021/9/17</a:t>
+              <a:t>2021/9/23</a:t>
             </a:fld>
             <a:endParaRPr lang="zh-TW" altLang="en-US"/>
           </a:p>
@@ -974,7 +979,7 @@
           <a:p>
             <a:fld id="{E34F6BE7-CCCD-4F6D-A9EF-2BAF239A8C4A}" type="datetimeFigureOut">
               <a:rPr lang="zh-TW" altLang="en-US" smtClean="0"/>
-              <a:t>2021/9/17</a:t>
+              <a:t>2021/9/23</a:t>
             </a:fld>
             <a:endParaRPr lang="zh-TW" altLang="en-US"/>
           </a:p>
@@ -1317,7 +1322,7 @@
           <a:p>
             <a:fld id="{E34F6BE7-CCCD-4F6D-A9EF-2BAF239A8C4A}" type="datetimeFigureOut">
               <a:rPr lang="zh-TW" altLang="en-US" smtClean="0"/>
-              <a:t>2021/9/17</a:t>
+              <a:t>2021/9/23</a:t>
             </a:fld>
             <a:endParaRPr lang="zh-TW" altLang="en-US"/>
           </a:p>
@@ -1592,7 +1597,7 @@
           <a:p>
             <a:fld id="{E34F6BE7-CCCD-4F6D-A9EF-2BAF239A8C4A}" type="datetimeFigureOut">
               <a:rPr lang="zh-TW" altLang="en-US" smtClean="0"/>
-              <a:t>2021/9/17</a:t>
+              <a:t>2021/9/23</a:t>
             </a:fld>
             <a:endParaRPr lang="zh-TW" altLang="en-US"/>
           </a:p>
@@ -1971,7 +1976,7 @@
           <a:p>
             <a:fld id="{E34F6BE7-CCCD-4F6D-A9EF-2BAF239A8C4A}" type="datetimeFigureOut">
               <a:rPr lang="zh-TW" altLang="en-US" smtClean="0"/>
-              <a:t>2021/9/17</a:t>
+              <a:t>2021/9/23</a:t>
             </a:fld>
             <a:endParaRPr lang="zh-TW" altLang="en-US"/>
           </a:p>
@@ -2089,7 +2094,7 @@
           <a:p>
             <a:fld id="{E34F6BE7-CCCD-4F6D-A9EF-2BAF239A8C4A}" type="datetimeFigureOut">
               <a:rPr lang="zh-TW" altLang="en-US" smtClean="0"/>
-              <a:t>2021/9/17</a:t>
+              <a:t>2021/9/23</a:t>
             </a:fld>
             <a:endParaRPr lang="zh-TW" altLang="en-US"/>
           </a:p>
@@ -2260,7 +2265,7 @@
           <a:p>
             <a:fld id="{E34F6BE7-CCCD-4F6D-A9EF-2BAF239A8C4A}" type="datetimeFigureOut">
               <a:rPr lang="zh-TW" altLang="en-US" smtClean="0"/>
-              <a:t>2021/9/17</a:t>
+              <a:t>2021/9/23</a:t>
             </a:fld>
             <a:endParaRPr lang="zh-TW" altLang="en-US"/>
           </a:p>
@@ -2614,7 +2619,7 @@
           <a:p>
             <a:fld id="{E34F6BE7-CCCD-4F6D-A9EF-2BAF239A8C4A}" type="datetimeFigureOut">
               <a:rPr lang="zh-TW" altLang="en-US" smtClean="0"/>
-              <a:t>2021/9/17</a:t>
+              <a:t>2021/9/23</a:t>
             </a:fld>
             <a:endParaRPr lang="zh-TW" altLang="en-US"/>
           </a:p>
@@ -2996,7 +3001,7 @@
           <a:p>
             <a:fld id="{E34F6BE7-CCCD-4F6D-A9EF-2BAF239A8C4A}" type="datetimeFigureOut">
               <a:rPr lang="zh-TW" altLang="en-US" smtClean="0"/>
-              <a:t>2021/9/17</a:t>
+              <a:t>2021/9/23</a:t>
             </a:fld>
             <a:endParaRPr lang="zh-TW" altLang="en-US"/>
           </a:p>
@@ -3283,7 +3288,7 @@
           <a:p>
             <a:fld id="{E34F6BE7-CCCD-4F6D-A9EF-2BAF239A8C4A}" type="datetimeFigureOut">
               <a:rPr lang="zh-TW" altLang="en-US" smtClean="0"/>
-              <a:t>2021/9/17</a:t>
+              <a:t>2021/9/23</a:t>
             </a:fld>
             <a:endParaRPr lang="zh-TW" altLang="en-US"/>
           </a:p>
@@ -4373,28 +4378,22 @@
       </p:sp>
       <p:pic>
         <p:nvPicPr>
-          <p:cNvPr id="7" name="圖片 6"/>
+          <p:cNvPr id="8" name="圖片 7"/>
           <p:cNvPicPr>
             <a:picLocks noChangeAspect="1"/>
           </p:cNvPicPr>
           <p:nvPr/>
         </p:nvPicPr>
         <p:blipFill>
-          <a:blip r:embed="rId2">
-            <a:extLst>
-              <a:ext uri="{28A0092B-C50C-407E-A947-70E740481C1C}">
-                <a14:useLocalDpi xmlns:a14="http://schemas.microsoft.com/office/drawing/2010/main" val="0"/>
-              </a:ext>
-            </a:extLst>
-          </a:blip>
+          <a:blip r:embed="rId2"/>
           <a:stretch>
             <a:fillRect/>
           </a:stretch>
         </p:blipFill>
         <p:spPr>
           <a:xfrm>
-            <a:off x="220792" y="1686074"/>
-            <a:ext cx="3256203" cy="3256203"/>
+            <a:off x="4175033" y="3065795"/>
+            <a:ext cx="678693" cy="678693"/>
           </a:xfrm>
           <a:prstGeom prst="rect">
             <a:avLst/>
@@ -4403,7 +4402,7 @@
       </p:pic>
       <p:pic>
         <p:nvPicPr>
-          <p:cNvPr id="8" name="圖片 7"/>
+          <p:cNvPr id="9" name="圖片 8"/>
           <p:cNvPicPr>
             <a:picLocks noChangeAspect="1"/>
           </p:cNvPicPr>
@@ -4417,8 +4416,8 @@
         </p:blipFill>
         <p:spPr>
           <a:xfrm>
-            <a:off x="4175033" y="3065795"/>
-            <a:ext cx="678693" cy="678693"/>
+            <a:off x="3936534" y="3840510"/>
+            <a:ext cx="1155690" cy="1155690"/>
           </a:xfrm>
           <a:prstGeom prst="rect">
             <a:avLst/>
@@ -4427,7 +4426,7 @@
       </p:pic>
       <p:pic>
         <p:nvPicPr>
-          <p:cNvPr id="9" name="圖片 8"/>
+          <p:cNvPr id="10" name="圖片 9"/>
           <p:cNvPicPr>
             <a:picLocks noChangeAspect="1"/>
           </p:cNvPicPr>
@@ -4441,8 +4440,8 @@
         </p:blipFill>
         <p:spPr>
           <a:xfrm>
-            <a:off x="3936534" y="3840510"/>
-            <a:ext cx="1155690" cy="1155690"/>
+            <a:off x="10363200" y="5249630"/>
+            <a:ext cx="715873" cy="751968"/>
           </a:xfrm>
           <a:prstGeom prst="rect">
             <a:avLst/>
@@ -4451,7 +4450,7 @@
       </p:pic>
       <p:pic>
         <p:nvPicPr>
-          <p:cNvPr id="10" name="圖片 9"/>
+          <p:cNvPr id="3" name="圖片 2"/>
           <p:cNvPicPr>
             <a:picLocks noChangeAspect="1"/>
           </p:cNvPicPr>
@@ -4465,8 +4464,8 @@
         </p:blipFill>
         <p:spPr>
           <a:xfrm>
-            <a:off x="10363200" y="5249630"/>
-            <a:ext cx="715873" cy="751968"/>
+            <a:off x="54251" y="1562279"/>
+            <a:ext cx="3325090" cy="3433921"/>
           </a:xfrm>
           <a:prstGeom prst="rect">
             <a:avLst/>
@@ -4483,6 +4482,13 @@
   <p:clrMapOvr>
     <a:masterClrMapping/>
   </p:clrMapOvr>
+  <p:timing>
+    <p:tnLst>
+      <p:par>
+        <p:cTn id="1" dur="indefinite" restart="never" nodeType="tmRoot"/>
+      </p:par>
+    </p:tnLst>
+  </p:timing>
 </p:sld>
 </file>
 
@@ -4670,8 +4676,8 @@
         </p:nvSpPr>
         <p:spPr>
           <a:xfrm>
-            <a:off x="3676650" y="2200275"/>
-            <a:ext cx="1822935" cy="1354217"/>
+            <a:off x="4243170" y="1992457"/>
+            <a:ext cx="1951175" cy="3970318"/>
           </a:xfrm>
           <a:prstGeom prst="rect">
             <a:avLst/>
@@ -4721,15 +4727,21 @@
             </a:endParaRPr>
           </a:p>
           <a:p>
+            <a:endParaRPr lang="en-US" altLang="zh-TW" b="1" dirty="0" smtClean="0">
+              <a:latin typeface="微軟正黑體" panose="020B0604030504040204" pitchFamily="34" charset="-120"/>
+              <a:ea typeface="微軟正黑體" panose="020B0604030504040204" pitchFamily="34" charset="-120"/>
+            </a:endParaRPr>
+          </a:p>
+          <a:p>
             <a:r>
               <a:rPr lang="zh-TW" altLang="en-US" b="1" dirty="0" smtClean="0">
                 <a:latin typeface="微軟正黑體" panose="020B0604030504040204" pitchFamily="34" charset="-120"/>
                 <a:ea typeface="微軟正黑體" panose="020B0604030504040204" pitchFamily="34" charset="-120"/>
               </a:rPr>
-              <a:t>外向</a:t>
-            </a:r>
-            <a:r>
-              <a:rPr lang="en-US" altLang="zh-TW" b="1" dirty="0">
+              <a:t>外向 </a:t>
+            </a:r>
+            <a:r>
+              <a:rPr lang="en-US" altLang="zh-TW" b="1" dirty="0" smtClean="0">
                 <a:latin typeface="微軟正黑體" panose="020B0604030504040204" pitchFamily="34" charset="-120"/>
                 <a:ea typeface="微軟正黑體" panose="020B0604030504040204" pitchFamily="34" charset="-120"/>
               </a:rPr>
@@ -4745,6 +4757,100 @@
               </a:rPr>
               <a:t>內向</a:t>
             </a:r>
+            <a:endParaRPr lang="en-US" altLang="zh-TW" sz="3200" b="1" dirty="0" smtClean="0">
+              <a:solidFill>
+                <a:srgbClr val="0070C0"/>
+              </a:solidFill>
+              <a:latin typeface="微軟正黑體" panose="020B0604030504040204" pitchFamily="34" charset="-120"/>
+              <a:ea typeface="微軟正黑體" panose="020B0604030504040204" pitchFamily="34" charset="-120"/>
+            </a:endParaRPr>
+          </a:p>
+          <a:p>
+            <a:endParaRPr lang="en-US" altLang="zh-TW" sz="3200" b="1" dirty="0" smtClean="0">
+              <a:solidFill>
+                <a:srgbClr val="0070C0"/>
+              </a:solidFill>
+              <a:latin typeface="微軟正黑體" panose="020B0604030504040204" pitchFamily="34" charset="-120"/>
+              <a:ea typeface="微軟正黑體" panose="020B0604030504040204" pitchFamily="34" charset="-120"/>
+            </a:endParaRPr>
+          </a:p>
+          <a:p>
+            <a:r>
+              <a:rPr lang="zh-TW" altLang="en-US" sz="3200" b="1" dirty="0">
+                <a:solidFill>
+                  <a:srgbClr val="0070C0"/>
+                </a:solidFill>
+                <a:latin typeface="微軟正黑體" panose="020B0604030504040204" pitchFamily="34" charset="-120"/>
+                <a:ea typeface="微軟正黑體" panose="020B0604030504040204" pitchFamily="34" charset="-120"/>
+              </a:rPr>
+              <a:t>務實</a:t>
+            </a:r>
+            <a:r>
+              <a:rPr lang="zh-TW" altLang="en-US" sz="3200" b="1" dirty="0" smtClean="0">
+                <a:latin typeface="微軟正黑體" panose="020B0604030504040204" pitchFamily="34" charset="-120"/>
+                <a:ea typeface="微軟正黑體" panose="020B0604030504040204" pitchFamily="34" charset="-120"/>
+              </a:rPr>
+              <a:t> </a:t>
+            </a:r>
+            <a:r>
+              <a:rPr lang="en-US" altLang="zh-TW" sz="2000" b="1" dirty="0">
+                <a:latin typeface="微軟正黑體" panose="020B0604030504040204" pitchFamily="34" charset="-120"/>
+                <a:ea typeface="微軟正黑體" panose="020B0604030504040204" pitchFamily="34" charset="-120"/>
+              </a:rPr>
+              <a:t>or </a:t>
+            </a:r>
+            <a:r>
+              <a:rPr lang="zh-TW" altLang="en-US" sz="2000" b="1" dirty="0" smtClean="0">
+                <a:latin typeface="微軟正黑體" panose="020B0604030504040204" pitchFamily="34" charset="-120"/>
+                <a:ea typeface="微軟正黑體" panose="020B0604030504040204" pitchFamily="34" charset="-120"/>
+              </a:rPr>
+              <a:t>理想</a:t>
+            </a:r>
+            <a:endParaRPr lang="en-US" altLang="zh-TW" sz="2000" b="1" dirty="0" smtClean="0">
+              <a:latin typeface="微軟正黑體" panose="020B0604030504040204" pitchFamily="34" charset="-120"/>
+              <a:ea typeface="微軟正黑體" panose="020B0604030504040204" pitchFamily="34" charset="-120"/>
+            </a:endParaRPr>
+          </a:p>
+          <a:p>
+            <a:endParaRPr lang="en-US" altLang="zh-TW" sz="2000" b="1" dirty="0">
+              <a:latin typeface="微軟正黑體" panose="020B0604030504040204" pitchFamily="34" charset="-120"/>
+              <a:ea typeface="微軟正黑體" panose="020B0604030504040204" pitchFamily="34" charset="-120"/>
+            </a:endParaRPr>
+          </a:p>
+          <a:p>
+            <a:r>
+              <a:rPr lang="zh-TW" altLang="en-US" sz="2000" b="1" dirty="0">
+                <a:latin typeface="微軟正黑體" panose="020B0604030504040204" pitchFamily="34" charset="-120"/>
+                <a:ea typeface="微軟正黑體" panose="020B0604030504040204" pitchFamily="34" charset="-120"/>
+              </a:rPr>
+              <a:t>嚴肅</a:t>
+            </a:r>
+            <a:r>
+              <a:rPr lang="en-US" altLang="zh-TW" sz="2000" b="1" dirty="0" smtClean="0">
+                <a:latin typeface="微軟正黑體" panose="020B0604030504040204" pitchFamily="34" charset="-120"/>
+                <a:ea typeface="微軟正黑體" panose="020B0604030504040204" pitchFamily="34" charset="-120"/>
+              </a:rPr>
+              <a:t>or </a:t>
+            </a:r>
+            <a:r>
+              <a:rPr lang="zh-TW" altLang="en-US" sz="3600" b="1" dirty="0">
+                <a:solidFill>
+                  <a:srgbClr val="0070C0"/>
+                </a:solidFill>
+                <a:latin typeface="微軟正黑體" panose="020B0604030504040204" pitchFamily="34" charset="-120"/>
+                <a:ea typeface="微軟正黑體" panose="020B0604030504040204" pitchFamily="34" charset="-120"/>
+              </a:rPr>
+              <a:t>溫和</a:t>
+            </a:r>
+            <a:endParaRPr lang="en-US" altLang="zh-TW" sz="3600" b="1" dirty="0">
+              <a:solidFill>
+                <a:srgbClr val="0070C0"/>
+              </a:solidFill>
+              <a:latin typeface="微軟正黑體" panose="020B0604030504040204" pitchFamily="34" charset="-120"/>
+              <a:ea typeface="微軟正黑體" panose="020B0604030504040204" pitchFamily="34" charset="-120"/>
+            </a:endParaRPr>
+          </a:p>
+          <a:p>
             <a:endParaRPr lang="en-US" altLang="zh-TW" sz="3200" b="1" dirty="0" smtClean="0">
               <a:solidFill>
                 <a:srgbClr val="0070C0"/>
@@ -4792,6 +4898,13 @@
   <p:clrMapOvr>
     <a:masterClrMapping/>
   </p:clrMapOvr>
+  <p:timing>
+    <p:tnLst>
+      <p:par>
+        <p:cTn id="1" dur="indefinite" restart="never" nodeType="tmRoot"/>
+      </p:par>
+    </p:tnLst>
+  </p:timing>
 </p:sld>
 </file>
 
@@ -4812,6 +4925,30 @@
           <a:chExt cx="0" cy="0"/>
         </a:xfrm>
       </p:grpSpPr>
+      <p:pic>
+        <p:nvPicPr>
+          <p:cNvPr id="4" name="圖片 3"/>
+          <p:cNvPicPr>
+            <a:picLocks noChangeAspect="1"/>
+          </p:cNvPicPr>
+          <p:nvPr/>
+        </p:nvPicPr>
+        <p:blipFill>
+          <a:blip r:embed="rId2"/>
+          <a:stretch>
+            <a:fillRect/>
+          </a:stretch>
+        </p:blipFill>
+        <p:spPr>
+          <a:xfrm>
+            <a:off x="70486" y="1188719"/>
+            <a:ext cx="4911436" cy="4911436"/>
+          </a:xfrm>
+          <a:prstGeom prst="rect">
+            <a:avLst/>
+          </a:prstGeom>
+        </p:spPr>
+      </p:pic>
       <p:sp>
         <p:nvSpPr>
           <p:cNvPr id="2" name="文字方塊 1"/>
@@ -4951,6 +5088,204 @@
                 </a:schemeClr>
               </a:solidFill>
               <a:latin typeface="Arial Black" panose="020B0A04020102020204" pitchFamily="34" charset="0"/>
+            </a:endParaRPr>
+          </a:p>
+        </p:txBody>
+      </p:sp>
+      <p:sp>
+        <p:nvSpPr>
+          <p:cNvPr id="3" name="文字方塊 2"/>
+          <p:cNvSpPr txBox="1"/>
+          <p:nvPr/>
+        </p:nvSpPr>
+        <p:spPr>
+          <a:xfrm>
+            <a:off x="4838008" y="2277688"/>
+            <a:ext cx="5404043" cy="2308324"/>
+          </a:xfrm>
+          <a:prstGeom prst="rect">
+            <a:avLst/>
+          </a:prstGeom>
+          <a:noFill/>
+        </p:spPr>
+        <p:txBody>
+          <a:bodyPr wrap="none" rtlCol="0">
+            <a:spAutoFit/>
+          </a:bodyPr>
+          <a:lstStyle/>
+          <a:p>
+            <a:r>
+              <a:rPr lang="en-US" altLang="zh-TW" sz="2000" b="1" dirty="0" smtClean="0">
+                <a:latin typeface="微軟正黑體" panose="020B0604030504040204" pitchFamily="34" charset="-120"/>
+                <a:ea typeface="微軟正黑體" panose="020B0604030504040204" pitchFamily="34" charset="-120"/>
+              </a:rPr>
+              <a:t>1.</a:t>
+            </a:r>
+            <a:r>
+              <a:rPr lang="zh-TW" altLang="en-US" sz="2000" b="1" dirty="0" smtClean="0">
+                <a:latin typeface="微軟正黑體" panose="020B0604030504040204" pitchFamily="34" charset="-120"/>
+                <a:ea typeface="微軟正黑體" panose="020B0604030504040204" pitchFamily="34" charset="-120"/>
+              </a:rPr>
+              <a:t>  </a:t>
+            </a:r>
+            <a:r>
+              <a:rPr lang="zh-TW" altLang="en-US" sz="2000" dirty="0" smtClean="0">
+                <a:latin typeface="微軟正黑體" panose="020B0604030504040204" pitchFamily="34" charset="-120"/>
+                <a:ea typeface="微軟正黑體" panose="020B0604030504040204" pitchFamily="34" charset="-120"/>
+              </a:rPr>
+              <a:t>在</a:t>
+            </a:r>
+            <a:r>
+              <a:rPr lang="zh-TW" altLang="en-US" sz="2000" dirty="0">
+                <a:latin typeface="微軟正黑體" panose="020B0604030504040204" pitchFamily="34" charset="-120"/>
+                <a:ea typeface="微軟正黑體" panose="020B0604030504040204" pitchFamily="34" charset="-120"/>
+              </a:rPr>
+              <a:t>工作上能夠更好的完成各項</a:t>
+            </a:r>
+            <a:r>
+              <a:rPr lang="zh-TW" altLang="en-US" sz="2000" dirty="0" smtClean="0">
+                <a:latin typeface="微軟正黑體" panose="020B0604030504040204" pitchFamily="34" charset="-120"/>
+                <a:ea typeface="微軟正黑體" panose="020B0604030504040204" pitchFamily="34" charset="-120"/>
+              </a:rPr>
+              <a:t>工作</a:t>
+            </a:r>
+            <a:endParaRPr lang="en-US" altLang="zh-TW" sz="2000" dirty="0" smtClean="0">
+              <a:latin typeface="微軟正黑體" panose="020B0604030504040204" pitchFamily="34" charset="-120"/>
+              <a:ea typeface="微軟正黑體" panose="020B0604030504040204" pitchFamily="34" charset="-120"/>
+            </a:endParaRPr>
+          </a:p>
+          <a:p>
+            <a:endParaRPr lang="en-US" altLang="zh-TW" sz="2400" b="1" dirty="0" smtClean="0">
+              <a:latin typeface="微軟正黑體" panose="020B0604030504040204" pitchFamily="34" charset="-120"/>
+              <a:ea typeface="微軟正黑體" panose="020B0604030504040204" pitchFamily="34" charset="-120"/>
+            </a:endParaRPr>
+          </a:p>
+          <a:p>
+            <a:r>
+              <a:rPr lang="en-US" altLang="zh-TW" sz="2000" b="1" dirty="0" smtClean="0">
+                <a:latin typeface="微軟正黑體" panose="020B0604030504040204" pitchFamily="34" charset="-120"/>
+                <a:ea typeface="微軟正黑體" panose="020B0604030504040204" pitchFamily="34" charset="-120"/>
+              </a:rPr>
+              <a:t>2.</a:t>
+            </a:r>
+            <a:r>
+              <a:rPr lang="zh-TW" altLang="en-US" sz="2000" b="1" dirty="0" smtClean="0">
+                <a:latin typeface="微軟正黑體" panose="020B0604030504040204" pitchFamily="34" charset="-120"/>
+                <a:ea typeface="微軟正黑體" panose="020B0604030504040204" pitchFamily="34" charset="-120"/>
+              </a:rPr>
+              <a:t>  </a:t>
+            </a:r>
+            <a:r>
+              <a:rPr lang="zh-TW" altLang="en-US" sz="2000" dirty="0" smtClean="0">
+                <a:latin typeface="微軟正黑體" panose="020B0604030504040204" pitchFamily="34" charset="-120"/>
+                <a:ea typeface="微軟正黑體" panose="020B0604030504040204" pitchFamily="34" charset="-120"/>
+              </a:rPr>
+              <a:t>一</a:t>
+            </a:r>
+            <a:r>
+              <a:rPr lang="zh-TW" altLang="en-US" sz="2000" dirty="0">
+                <a:latin typeface="微軟正黑體" panose="020B0604030504040204" pitchFamily="34" charset="-120"/>
+                <a:ea typeface="微軟正黑體" panose="020B0604030504040204" pitchFamily="34" charset="-120"/>
+              </a:rPr>
+              <a:t>到兩</a:t>
+            </a:r>
+            <a:r>
+              <a:rPr lang="zh-TW" altLang="en-US" sz="2000" dirty="0" smtClean="0">
+                <a:latin typeface="微軟正黑體" panose="020B0604030504040204" pitchFamily="34" charset="-120"/>
+                <a:ea typeface="微軟正黑體" panose="020B0604030504040204" pitchFamily="34" charset="-120"/>
+              </a:rPr>
+              <a:t>年內在自己</a:t>
+            </a:r>
+            <a:r>
+              <a:rPr lang="zh-TW" altLang="en-US" sz="2000" dirty="0">
+                <a:latin typeface="微軟正黑體" panose="020B0604030504040204" pitchFamily="34" charset="-120"/>
+                <a:ea typeface="微軟正黑體" panose="020B0604030504040204" pitchFamily="34" charset="-120"/>
+              </a:rPr>
+              <a:t>的崗位有一定提升</a:t>
+            </a:r>
+            <a:endParaRPr lang="en-US" altLang="zh-TW" sz="2000" b="1" dirty="0" smtClean="0">
+              <a:latin typeface="微軟正黑體" panose="020B0604030504040204" pitchFamily="34" charset="-120"/>
+              <a:ea typeface="微軟正黑體" panose="020B0604030504040204" pitchFamily="34" charset="-120"/>
+            </a:endParaRPr>
+          </a:p>
+          <a:p>
+            <a:endParaRPr lang="en-US" altLang="zh-TW" sz="2000" b="1" dirty="0" smtClean="0">
+              <a:latin typeface="微軟正黑體" panose="020B0604030504040204" pitchFamily="34" charset="-120"/>
+              <a:ea typeface="微軟正黑體" panose="020B0604030504040204" pitchFamily="34" charset="-120"/>
+            </a:endParaRPr>
+          </a:p>
+          <a:p>
+            <a:r>
+              <a:rPr lang="en-US" altLang="zh-TW" sz="2000" b="1" dirty="0" smtClean="0">
+                <a:latin typeface="微軟正黑體" panose="020B0604030504040204" pitchFamily="34" charset="-120"/>
+                <a:ea typeface="微軟正黑體" panose="020B0604030504040204" pitchFamily="34" charset="-120"/>
+              </a:rPr>
+              <a:t>3.</a:t>
+            </a:r>
+            <a:r>
+              <a:rPr lang="zh-TW" altLang="en-US" sz="2000" b="1" dirty="0" smtClean="0">
+                <a:latin typeface="微軟正黑體" panose="020B0604030504040204" pitchFamily="34" charset="-120"/>
+                <a:ea typeface="微軟正黑體" panose="020B0604030504040204" pitchFamily="34" charset="-120"/>
+              </a:rPr>
+              <a:t>  </a:t>
+            </a:r>
+            <a:r>
+              <a:rPr lang="zh-TW" altLang="en-US" sz="2000" dirty="0" smtClean="0">
+                <a:latin typeface="微軟正黑體" panose="020B0604030504040204" pitchFamily="34" charset="-120"/>
+                <a:ea typeface="微軟正黑體" panose="020B0604030504040204" pitchFamily="34" charset="-120"/>
+              </a:rPr>
+              <a:t>在工作之餘自我進修，</a:t>
+            </a:r>
+            <a:r>
+              <a:rPr lang="zh-TW" altLang="en-US" sz="2000" dirty="0">
+                <a:latin typeface="微軟正黑體" panose="020B0604030504040204" pitchFamily="34" charset="-120"/>
+                <a:ea typeface="微軟正黑體" panose="020B0604030504040204" pitchFamily="34" charset="-120"/>
+              </a:rPr>
+              <a:t>儘量的提升自身</a:t>
+            </a:r>
+            <a:r>
+              <a:rPr lang="zh-TW" altLang="en-US" sz="2000" dirty="0" smtClean="0">
+                <a:latin typeface="微軟正黑體" panose="020B0604030504040204" pitchFamily="34" charset="-120"/>
+                <a:ea typeface="微軟正黑體" panose="020B0604030504040204" pitchFamily="34" charset="-120"/>
+              </a:rPr>
+              <a:t>素養</a:t>
+            </a:r>
+            <a:endParaRPr lang="en-US" altLang="zh-TW" sz="2000" dirty="0" smtClean="0">
+              <a:latin typeface="微軟正黑體" panose="020B0604030504040204" pitchFamily="34" charset="-120"/>
+              <a:ea typeface="微軟正黑體" panose="020B0604030504040204" pitchFamily="34" charset="-120"/>
+            </a:endParaRPr>
+          </a:p>
+          <a:p>
+            <a:endParaRPr lang="en-US" altLang="zh-TW" sz="2000" b="1" dirty="0" smtClean="0">
+              <a:latin typeface="微軟正黑體" panose="020B0604030504040204" pitchFamily="34" charset="-120"/>
+              <a:ea typeface="微軟正黑體" panose="020B0604030504040204" pitchFamily="34" charset="-120"/>
+            </a:endParaRPr>
+          </a:p>
+          <a:p>
+            <a:r>
+              <a:rPr lang="en-US" altLang="zh-TW" sz="2000" b="1" dirty="0" smtClean="0">
+                <a:latin typeface="微軟正黑體" panose="020B0604030504040204" pitchFamily="34" charset="-120"/>
+                <a:ea typeface="微軟正黑體" panose="020B0604030504040204" pitchFamily="34" charset="-120"/>
+              </a:rPr>
+              <a:t>4.</a:t>
+            </a:r>
+            <a:r>
+              <a:rPr lang="zh-TW" altLang="en-US" sz="2000" b="1" dirty="0" smtClean="0">
+                <a:latin typeface="微軟正黑體" panose="020B0604030504040204" pitchFamily="34" charset="-120"/>
+                <a:ea typeface="微軟正黑體" panose="020B0604030504040204" pitchFamily="34" charset="-120"/>
+              </a:rPr>
+              <a:t>  </a:t>
+            </a:r>
+            <a:r>
+              <a:rPr lang="zh-TW" altLang="en-US" sz="2000" dirty="0" smtClean="0">
+                <a:latin typeface="微軟正黑體" panose="020B0604030504040204" pitchFamily="34" charset="-120"/>
+                <a:ea typeface="微軟正黑體" panose="020B0604030504040204" pitchFamily="34" charset="-120"/>
+              </a:rPr>
+              <a:t>學歷進修</a:t>
+            </a:r>
+            <a:endParaRPr lang="zh-TW" altLang="en-US" sz="2000" dirty="0">
+              <a:latin typeface="微軟正黑體" panose="020B0604030504040204" pitchFamily="34" charset="-120"/>
+              <a:ea typeface="微軟正黑體" panose="020B0604030504040204" pitchFamily="34" charset="-120"/>
             </a:endParaRPr>
           </a:p>
         </p:txBody>
@@ -4965,6 +5300,13 @@
   <p:clrMapOvr>
     <a:masterClrMapping/>
   </p:clrMapOvr>
+  <p:timing>
+    <p:tnLst>
+      <p:par>
+        <p:cTn id="1" dur="indefinite" restart="never" nodeType="tmRoot"/>
+      </p:par>
+    </p:tnLst>
+  </p:timing>
 </p:sld>
 </file>
 
@@ -5019,6 +5361,13 @@
   <p:clrMapOvr>
     <a:masterClrMapping/>
   </p:clrMapOvr>
+  <p:timing>
+    <p:tnLst>
+      <p:par>
+        <p:cTn id="1" dur="indefinite" restart="never" nodeType="tmRoot"/>
+      </p:par>
+    </p:tnLst>
+  </p:timing>
 </p:sld>
 </file>
 
